--- a/source/lessons/lsn30/Lsn30.pptx
+++ b/source/lessons/lsn30/Lsn30.pptx
@@ -1651,7 +1651,7 @@
           <a:p>
             <a:fld id="{834513E8-165F-4932-9E2D-FD497CB9A4FD}" type="datetimeFigureOut">
               <a:rPr lang="en-US" smtClean="0"/>
-              <a:t>6/5/2018</a:t>
+              <a:t>7/9/2018</a:t>
             </a:fld>
             <a:endParaRPr lang="en-US"/>
           </a:p>
@@ -1769,7 +1769,7 @@
           <a:p>
             <a:fld id="{834513E8-165F-4932-9E2D-FD497CB9A4FD}" type="datetimeFigureOut">
               <a:rPr lang="en-US" smtClean="0"/>
-              <a:t>6/5/2018</a:t>
+              <a:t>7/9/2018</a:t>
             </a:fld>
             <a:endParaRPr lang="en-US"/>
           </a:p>
@@ -1864,7 +1864,7 @@
           <a:p>
             <a:fld id="{834513E8-165F-4932-9E2D-FD497CB9A4FD}" type="datetimeFigureOut">
               <a:rPr lang="en-US" smtClean="0"/>
-              <a:t>6/5/2018</a:t>
+              <a:t>7/9/2018</a:t>
             </a:fld>
             <a:endParaRPr lang="en-US"/>
           </a:p>
@@ -2141,7 +2141,7 @@
           <a:p>
             <a:fld id="{834513E8-165F-4932-9E2D-FD497CB9A4FD}" type="datetimeFigureOut">
               <a:rPr lang="en-US" smtClean="0"/>
-              <a:t>6/5/2018</a:t>
+              <a:t>7/9/2018</a:t>
             </a:fld>
             <a:endParaRPr lang="en-US"/>
           </a:p>
@@ -2394,7 +2394,7 @@
           <a:p>
             <a:fld id="{834513E8-165F-4932-9E2D-FD497CB9A4FD}" type="datetimeFigureOut">
               <a:rPr lang="en-US" smtClean="0"/>
-              <a:t>6/5/2018</a:t>
+              <a:t>7/9/2018</a:t>
             </a:fld>
             <a:endParaRPr lang="en-US"/>
           </a:p>
@@ -2564,7 +2564,7 @@
           <a:p>
             <a:fld id="{834513E8-165F-4932-9E2D-FD497CB9A4FD}" type="datetimeFigureOut">
               <a:rPr lang="en-US" smtClean="0"/>
-              <a:t>6/5/2018</a:t>
+              <a:t>7/9/2018</a:t>
             </a:fld>
             <a:endParaRPr lang="en-US"/>
           </a:p>
@@ -2744,7 +2744,7 @@
           <a:p>
             <a:fld id="{834513E8-165F-4932-9E2D-FD497CB9A4FD}" type="datetimeFigureOut">
               <a:rPr lang="en-US" smtClean="0"/>
-              <a:t>6/5/2018</a:t>
+              <a:t>7/9/2018</a:t>
             </a:fld>
             <a:endParaRPr lang="en-US"/>
           </a:p>
@@ -3692,7 +3692,7 @@
           <a:p>
             <a:fld id="{834513E8-165F-4932-9E2D-FD497CB9A4FD}" type="datetimeFigureOut">
               <a:rPr lang="en-US" smtClean="0"/>
-              <a:t>6/5/2018</a:t>
+              <a:t>7/9/2018</a:t>
             </a:fld>
             <a:endParaRPr lang="en-US"/>
           </a:p>
@@ -3862,7 +3862,7 @@
           <a:p>
             <a:fld id="{834513E8-165F-4932-9E2D-FD497CB9A4FD}" type="datetimeFigureOut">
               <a:rPr lang="en-US" smtClean="0"/>
-              <a:t>6/5/2018</a:t>
+              <a:t>7/9/2018</a:t>
             </a:fld>
             <a:endParaRPr lang="en-US"/>
           </a:p>
@@ -4108,7 +4108,7 @@
           <a:p>
             <a:fld id="{834513E8-165F-4932-9E2D-FD497CB9A4FD}" type="datetimeFigureOut">
               <a:rPr lang="en-US" smtClean="0"/>
-              <a:t>6/5/2018</a:t>
+              <a:t>7/9/2018</a:t>
             </a:fld>
             <a:endParaRPr lang="en-US"/>
           </a:p>
@@ -4340,7 +4340,7 @@
           <a:p>
             <a:fld id="{834513E8-165F-4932-9E2D-FD497CB9A4FD}" type="datetimeFigureOut">
               <a:rPr lang="en-US" smtClean="0"/>
-              <a:t>6/5/2018</a:t>
+              <a:t>7/9/2018</a:t>
             </a:fld>
             <a:endParaRPr lang="en-US"/>
           </a:p>
@@ -6158,7 +6158,7 @@
           <a:p>
             <a:fld id="{834513E8-165F-4932-9E2D-FD497CB9A4FD}" type="datetimeFigureOut">
               <a:rPr lang="en-US" smtClean="0"/>
-              <a:t>6/5/2018</a:t>
+              <a:t>7/9/2018</a:t>
             </a:fld>
             <a:endParaRPr lang="en-US"/>
           </a:p>
@@ -6789,18 +6789,18 @@
           <a:p>
             <a:pPr algn="ctr"/>
             <a:r>
-              <a:rPr lang="en-US" kern="0" dirty="0" smtClean="0">
+              <a:rPr lang="en-US" kern="0" smtClean="0">
                 <a:effectLst/>
                 <a:latin typeface="Trebuchet MS" panose="020B0603020202020204" pitchFamily="34" charset="0"/>
               </a:rPr>
               <a:t>Lesson </a:t>
             </a:r>
             <a:r>
-              <a:rPr lang="en-US" kern="0" dirty="0" smtClean="0">
+              <a:rPr lang="en-US" kern="0" smtClean="0">
                 <a:effectLst/>
                 <a:latin typeface="Trebuchet MS" panose="020B0603020202020204" pitchFamily="34" charset="0"/>
               </a:rPr>
-              <a:t>30</a:t>
+              <a:t>32?</a:t>
             </a:r>
             <a:endParaRPr lang="en-US" kern="0" dirty="0">
               <a:effectLst/>
@@ -7490,13 +7490,8 @@
           <a:p>
             <a:r>
               <a:rPr lang="en-US" sz="1800" dirty="0" smtClean="0"/>
-              <a:t>Device Specific pp </a:t>
-            </a:r>
-            <a:r>
-              <a:rPr lang="en-US" sz="1800" dirty="0" smtClean="0"/>
-              <a:t>16</a:t>
-            </a:r>
-            <a:endParaRPr lang="en-US" sz="1800" dirty="0" smtClean="0"/>
+              <a:t>Device Specific pp 16</a:t>
+            </a:r>
           </a:p>
         </p:txBody>
       </p:sp>
@@ -7681,13 +7676,8 @@
           <a:p>
             <a:r>
               <a:rPr lang="en-US" sz="1800" dirty="0" smtClean="0"/>
-              <a:t>Family User Guide pp </a:t>
-            </a:r>
-            <a:r>
-              <a:rPr lang="en-US" sz="1800" dirty="0" smtClean="0"/>
-              <a:t>372</a:t>
-            </a:r>
-            <a:endParaRPr lang="en-US" sz="1800" dirty="0" smtClean="0"/>
+              <a:t>Family User Guide pp 372</a:t>
+            </a:r>
           </a:p>
         </p:txBody>
       </p:sp>
@@ -8021,13 +8011,8 @@
           <a:p>
             <a:r>
               <a:rPr lang="en-US" sz="1800" dirty="0" smtClean="0"/>
-              <a:t>Device Specific pp </a:t>
-            </a:r>
-            <a:r>
-              <a:rPr lang="en-US" sz="1800" dirty="0" smtClean="0"/>
-              <a:t>43</a:t>
-            </a:r>
-            <a:endParaRPr lang="en-US" sz="1800" dirty="0" smtClean="0"/>
+              <a:t>Device Specific pp 43</a:t>
+            </a:r>
           </a:p>
         </p:txBody>
       </p:sp>
@@ -9279,13 +9264,7 @@
                         <a:rPr lang="en-US" sz="1200" dirty="0" smtClean="0">
                           <a:effectLst/>
                         </a:rPr>
-                        <a:t>zero</a:t>
-                      </a:r>
-                      <a:r>
-                        <a:rPr lang="en-US" sz="1200" dirty="0" smtClean="0">
-                          <a:effectLst/>
-                        </a:rPr>
-                        <a:t>. </a:t>
+                        <a:t>zero. </a:t>
                       </a:r>
                       <a:r>
                         <a:rPr lang="en-US" sz="1200" b="1" dirty="0" smtClean="0">
@@ -9489,13 +9468,8 @@
           <a:p>
             <a:r>
               <a:rPr lang="en-US" sz="1800" dirty="0" smtClean="0"/>
-              <a:t>Family User Guide pp </a:t>
-            </a:r>
-            <a:r>
-              <a:rPr lang="en-US" sz="1800" dirty="0" smtClean="0"/>
-              <a:t>357</a:t>
-            </a:r>
-            <a:endParaRPr lang="en-US" sz="1800" dirty="0" smtClean="0"/>
+              <a:t>Family User Guide pp 357</a:t>
+            </a:r>
           </a:p>
         </p:txBody>
       </p:sp>
@@ -17115,13 +17089,8 @@
           <a:p>
             <a:r>
               <a:rPr lang="en-US" sz="1800" dirty="0" smtClean="0"/>
-              <a:t>Family User Guide pp </a:t>
-            </a:r>
-            <a:r>
-              <a:rPr lang="en-US" sz="1800" dirty="0" smtClean="0"/>
-              <a:t>372</a:t>
-            </a:r>
-            <a:endParaRPr lang="en-US" sz="1800" dirty="0" smtClean="0"/>
+              <a:t>Family User Guide pp 372</a:t>
+            </a:r>
           </a:p>
         </p:txBody>
       </p:sp>
@@ -17401,13 +17370,8 @@
           <a:p>
             <a:r>
               <a:rPr lang="en-US" sz="1800" dirty="0" smtClean="0"/>
-              <a:t>Family User Guide pp </a:t>
-            </a:r>
-            <a:r>
-              <a:rPr lang="en-US" sz="1800" dirty="0" smtClean="0"/>
-              <a:t>357</a:t>
-            </a:r>
-            <a:endParaRPr lang="en-US" sz="1800" dirty="0" smtClean="0"/>
+              <a:t>Family User Guide pp 357</a:t>
+            </a:r>
           </a:p>
         </p:txBody>
       </p:sp>
@@ -17829,13 +17793,8 @@
           <a:p>
             <a:r>
               <a:rPr lang="en-US" sz="1800" dirty="0" smtClean="0"/>
-              <a:t>Family User Guide pp </a:t>
-            </a:r>
-            <a:r>
-              <a:rPr lang="en-US" sz="1800" dirty="0" smtClean="0"/>
-              <a:t>363</a:t>
-            </a:r>
-            <a:endParaRPr lang="en-US" sz="1800" dirty="0" smtClean="0"/>
+              <a:t>Family User Guide pp 363</a:t>
+            </a:r>
           </a:p>
         </p:txBody>
       </p:sp>
@@ -17966,13 +17925,8 @@
           <a:p>
             <a:r>
               <a:rPr lang="en-US" sz="1800" dirty="0" smtClean="0"/>
-              <a:t>Family User Guide pp </a:t>
-            </a:r>
-            <a:r>
-              <a:rPr lang="en-US" sz="1800" dirty="0" smtClean="0"/>
-              <a:t>372</a:t>
-            </a:r>
-            <a:endParaRPr lang="en-US" sz="1800" dirty="0" smtClean="0"/>
+              <a:t>Family User Guide pp 372</a:t>
+            </a:r>
           </a:p>
         </p:txBody>
       </p:sp>
@@ -18661,13 +18615,8 @@
           <a:p>
             <a:r>
               <a:rPr lang="en-US" sz="1800" dirty="0" smtClean="0"/>
-              <a:t>Family User Guide pp </a:t>
-            </a:r>
-            <a:r>
-              <a:rPr lang="en-US" sz="1800" dirty="0" smtClean="0"/>
-              <a:t>357</a:t>
-            </a:r>
-            <a:endParaRPr lang="en-US" sz="1800" dirty="0" smtClean="0"/>
+              <a:t>Family User Guide pp 357</a:t>
+            </a:r>
           </a:p>
         </p:txBody>
       </p:sp>

--- a/source/lessons/lsn30/Lsn30.pptx
+++ b/source/lessons/lsn30/Lsn30.pptx
@@ -7,10 +7,10 @@
     <p:sldMasterId id="2147483667" r:id="rId3"/>
   </p:sldMasterIdLst>
   <p:notesMasterIdLst>
-    <p:notesMasterId r:id="rId33"/>
+    <p:notesMasterId r:id="rId34"/>
   </p:notesMasterIdLst>
   <p:handoutMasterIdLst>
-    <p:handoutMasterId r:id="rId34"/>
+    <p:handoutMasterId r:id="rId35"/>
   </p:handoutMasterIdLst>
   <p:sldIdLst>
     <p:sldId id="352" r:id="rId4"/>
@@ -33,15 +33,16 @@
     <p:sldId id="384" r:id="rId21"/>
     <p:sldId id="385" r:id="rId22"/>
     <p:sldId id="386" r:id="rId23"/>
-    <p:sldId id="353" r:id="rId24"/>
-    <p:sldId id="355" r:id="rId25"/>
-    <p:sldId id="360" r:id="rId26"/>
-    <p:sldId id="361" r:id="rId27"/>
-    <p:sldId id="362" r:id="rId28"/>
-    <p:sldId id="356" r:id="rId29"/>
-    <p:sldId id="357" r:id="rId30"/>
-    <p:sldId id="358" r:id="rId31"/>
-    <p:sldId id="359" r:id="rId32"/>
+    <p:sldId id="387" r:id="rId24"/>
+    <p:sldId id="353" r:id="rId25"/>
+    <p:sldId id="355" r:id="rId26"/>
+    <p:sldId id="360" r:id="rId27"/>
+    <p:sldId id="361" r:id="rId28"/>
+    <p:sldId id="362" r:id="rId29"/>
+    <p:sldId id="356" r:id="rId30"/>
+    <p:sldId id="357" r:id="rId31"/>
+    <p:sldId id="358" r:id="rId32"/>
+    <p:sldId id="359" r:id="rId33"/>
   </p:sldIdLst>
   <p:sldSz cx="9144000" cy="6858000" type="screen4x3"/>
   <p:notesSz cx="7010400" cy="9296400"/>
@@ -1651,7 +1652,7 @@
           <a:p>
             <a:fld id="{834513E8-165F-4932-9E2D-FD497CB9A4FD}" type="datetimeFigureOut">
               <a:rPr lang="en-US" smtClean="0"/>
-              <a:t>7/9/2018</a:t>
+              <a:t>7/10/2018</a:t>
             </a:fld>
             <a:endParaRPr lang="en-US"/>
           </a:p>
@@ -1769,7 +1770,7 @@
           <a:p>
             <a:fld id="{834513E8-165F-4932-9E2D-FD497CB9A4FD}" type="datetimeFigureOut">
               <a:rPr lang="en-US" smtClean="0"/>
-              <a:t>7/9/2018</a:t>
+              <a:t>7/10/2018</a:t>
             </a:fld>
             <a:endParaRPr lang="en-US"/>
           </a:p>
@@ -1864,7 +1865,7 @@
           <a:p>
             <a:fld id="{834513E8-165F-4932-9E2D-FD497CB9A4FD}" type="datetimeFigureOut">
               <a:rPr lang="en-US" smtClean="0"/>
-              <a:t>7/9/2018</a:t>
+              <a:t>7/10/2018</a:t>
             </a:fld>
             <a:endParaRPr lang="en-US"/>
           </a:p>
@@ -2141,7 +2142,7 @@
           <a:p>
             <a:fld id="{834513E8-165F-4932-9E2D-FD497CB9A4FD}" type="datetimeFigureOut">
               <a:rPr lang="en-US" smtClean="0"/>
-              <a:t>7/9/2018</a:t>
+              <a:t>7/10/2018</a:t>
             </a:fld>
             <a:endParaRPr lang="en-US"/>
           </a:p>
@@ -2394,7 +2395,7 @@
           <a:p>
             <a:fld id="{834513E8-165F-4932-9E2D-FD497CB9A4FD}" type="datetimeFigureOut">
               <a:rPr lang="en-US" smtClean="0"/>
-              <a:t>7/9/2018</a:t>
+              <a:t>7/10/2018</a:t>
             </a:fld>
             <a:endParaRPr lang="en-US"/>
           </a:p>
@@ -2564,7 +2565,7 @@
           <a:p>
             <a:fld id="{834513E8-165F-4932-9E2D-FD497CB9A4FD}" type="datetimeFigureOut">
               <a:rPr lang="en-US" smtClean="0"/>
-              <a:t>7/9/2018</a:t>
+              <a:t>7/10/2018</a:t>
             </a:fld>
             <a:endParaRPr lang="en-US"/>
           </a:p>
@@ -2744,7 +2745,7 @@
           <a:p>
             <a:fld id="{834513E8-165F-4932-9E2D-FD497CB9A4FD}" type="datetimeFigureOut">
               <a:rPr lang="en-US" smtClean="0"/>
-              <a:t>7/9/2018</a:t>
+              <a:t>7/10/2018</a:t>
             </a:fld>
             <a:endParaRPr lang="en-US"/>
           </a:p>
@@ -3692,7 +3693,7 @@
           <a:p>
             <a:fld id="{834513E8-165F-4932-9E2D-FD497CB9A4FD}" type="datetimeFigureOut">
               <a:rPr lang="en-US" smtClean="0"/>
-              <a:t>7/9/2018</a:t>
+              <a:t>7/10/2018</a:t>
             </a:fld>
             <a:endParaRPr lang="en-US"/>
           </a:p>
@@ -3862,7 +3863,7 @@
           <a:p>
             <a:fld id="{834513E8-165F-4932-9E2D-FD497CB9A4FD}" type="datetimeFigureOut">
               <a:rPr lang="en-US" smtClean="0"/>
-              <a:t>7/9/2018</a:t>
+              <a:t>7/10/2018</a:t>
             </a:fld>
             <a:endParaRPr lang="en-US"/>
           </a:p>
@@ -4108,7 +4109,7 @@
           <a:p>
             <a:fld id="{834513E8-165F-4932-9E2D-FD497CB9A4FD}" type="datetimeFigureOut">
               <a:rPr lang="en-US" smtClean="0"/>
-              <a:t>7/9/2018</a:t>
+              <a:t>7/10/2018</a:t>
             </a:fld>
             <a:endParaRPr lang="en-US"/>
           </a:p>
@@ -4340,7 +4341,7 @@
           <a:p>
             <a:fld id="{834513E8-165F-4932-9E2D-FD497CB9A4FD}" type="datetimeFigureOut">
               <a:rPr lang="en-US" smtClean="0"/>
-              <a:t>7/9/2018</a:t>
+              <a:t>7/10/2018</a:t>
             </a:fld>
             <a:endParaRPr lang="en-US"/>
           </a:p>
@@ -6158,7 +6159,7 @@
           <a:p>
             <a:fld id="{834513E8-165F-4932-9E2D-FD497CB9A4FD}" type="datetimeFigureOut">
               <a:rPr lang="en-US" smtClean="0"/>
-              <a:t>7/9/2018</a:t>
+              <a:t>7/10/2018</a:t>
             </a:fld>
             <a:endParaRPr lang="en-US"/>
           </a:p>
@@ -6793,14 +6794,7 @@
                 <a:effectLst/>
                 <a:latin typeface="Trebuchet MS" panose="020B0603020202020204" pitchFamily="34" charset="0"/>
               </a:rPr>
-              <a:t>Lesson </a:t>
-            </a:r>
-            <a:r>
-              <a:rPr lang="en-US" kern="0" smtClean="0">
-                <a:effectLst/>
-                <a:latin typeface="Trebuchet MS" panose="020B0603020202020204" pitchFamily="34" charset="0"/>
-              </a:rPr>
-              <a:t>32?</a:t>
+              <a:t>Lesson 32?</a:t>
             </a:r>
             <a:endParaRPr lang="en-US" kern="0" dirty="0">
               <a:effectLst/>
@@ -11827,17 +11821,145 @@
           <a:p>
             <a:pPr lvl="1"/>
             <a:r>
-              <a:rPr lang="en-US" sz="2000" dirty="0" smtClean="0"/>
-              <a:t>Pulse Width Modulation (PWM)</a:t>
-            </a:r>
-          </a:p>
-          <a:p>
-            <a:pPr lvl="1"/>
-            <a:r>
               <a:rPr lang="en-US" dirty="0" smtClean="0"/>
-              <a:t>Capture and Compare</a:t>
+              <a:t>Capture </a:t>
+            </a:r>
+            <a:r>
+              <a:rPr lang="en-US" dirty="0" smtClean="0"/>
+              <a:t>and Compare</a:t>
             </a:r>
             <a:endParaRPr lang="en-US" sz="2000" dirty="0" smtClean="0"/>
+          </a:p>
+        </p:txBody>
+      </p:sp>
+      <p:pic>
+        <p:nvPicPr>
+          <p:cNvPr id="4" name="Picture 3"/>
+          <p:cNvPicPr>
+            <a:picLocks noChangeAspect="1"/>
+          </p:cNvPicPr>
+          <p:nvPr/>
+        </p:nvPicPr>
+        <p:blipFill>
+          <a:blip r:embed="rId2"/>
+          <a:stretch>
+            <a:fillRect/>
+          </a:stretch>
+        </p:blipFill>
+        <p:spPr>
+          <a:xfrm>
+            <a:off x="118241" y="2878590"/>
+            <a:ext cx="2107117" cy="1542323"/>
+          </a:xfrm>
+          <a:prstGeom prst="rect">
+            <a:avLst/>
+          </a:prstGeom>
+        </p:spPr>
+      </p:pic>
+      <p:pic>
+        <p:nvPicPr>
+          <p:cNvPr id="5" name="Picture 4"/>
+          <p:cNvPicPr>
+            <a:picLocks noChangeAspect="1"/>
+          </p:cNvPicPr>
+          <p:nvPr/>
+        </p:nvPicPr>
+        <p:blipFill rotWithShape="1">
+          <a:blip r:embed="rId3"/>
+          <a:srcRect l="21740" r="30270"/>
+          <a:stretch/>
+        </p:blipFill>
+        <p:spPr>
+          <a:xfrm>
+            <a:off x="2325413" y="3121841"/>
+            <a:ext cx="3176753" cy="1055819"/>
+          </a:xfrm>
+          <a:prstGeom prst="rect">
+            <a:avLst/>
+          </a:prstGeom>
+        </p:spPr>
+      </p:pic>
+      <p:pic>
+        <p:nvPicPr>
+          <p:cNvPr id="7" name="Picture 6"/>
+          <p:cNvPicPr>
+            <a:picLocks noChangeAspect="1"/>
+          </p:cNvPicPr>
+          <p:nvPr/>
+        </p:nvPicPr>
+        <p:blipFill>
+          <a:blip r:embed="rId4"/>
+          <a:stretch>
+            <a:fillRect/>
+          </a:stretch>
+        </p:blipFill>
+        <p:spPr>
+          <a:xfrm>
+            <a:off x="5926640" y="2656489"/>
+            <a:ext cx="3099119" cy="2130644"/>
+          </a:xfrm>
+          <a:prstGeom prst="rect">
+            <a:avLst/>
+          </a:prstGeom>
+        </p:spPr>
+      </p:pic>
+      <p:sp>
+        <p:nvSpPr>
+          <p:cNvPr id="8" name="TextBox 7"/>
+          <p:cNvSpPr txBox="1"/>
+          <p:nvPr/>
+        </p:nvSpPr>
+        <p:spPr>
+          <a:xfrm>
+            <a:off x="380155" y="4420913"/>
+            <a:ext cx="1263487" cy="461665"/>
+          </a:xfrm>
+          <a:prstGeom prst="rect">
+            <a:avLst/>
+          </a:prstGeom>
+          <a:noFill/>
+        </p:spPr>
+        <p:txBody>
+          <a:bodyPr wrap="none" rtlCol="0">
+            <a:spAutoFit/>
+          </a:bodyPr>
+          <a:lstStyle/>
+          <a:p>
+            <a:r>
+              <a:rPr lang="en-US" dirty="0" smtClean="0"/>
+              <a:t>MSP430</a:t>
+            </a:r>
+            <a:endParaRPr lang="en-US" dirty="0"/>
+          </a:p>
+        </p:txBody>
+      </p:sp>
+      <p:sp>
+        <p:nvSpPr>
+          <p:cNvPr id="9" name="TextBox 8"/>
+          <p:cNvSpPr txBox="1"/>
+          <p:nvPr/>
+        </p:nvSpPr>
+        <p:spPr>
+          <a:xfrm>
+            <a:off x="380155" y="5226190"/>
+            <a:ext cx="8412480" cy="830997"/>
+          </a:xfrm>
+          <a:prstGeom prst="rect">
+            <a:avLst/>
+          </a:prstGeom>
+          <a:noFill/>
+        </p:spPr>
+        <p:txBody>
+          <a:bodyPr wrap="square" rtlCol="0">
+            <a:spAutoFit/>
+          </a:bodyPr>
+          <a:lstStyle/>
+          <a:p>
+            <a:r>
+              <a:rPr lang="en-US" dirty="0" smtClean="0"/>
+              <a:t>By timing how wide these pulses are, we can translate the pulses into 0’s or 1’s (binary) and understand what the remote is telling us</a:t>
+            </a:r>
+            <a:endParaRPr lang="en-US" dirty="0"/>
           </a:p>
         </p:txBody>
       </p:sp>
@@ -11915,7 +12037,7 @@
         <p:spPr>
           <a:xfrm>
             <a:off x="253089" y="1489840"/>
-            <a:ext cx="8557536" cy="5368160"/>
+            <a:ext cx="8557536" cy="4870855"/>
           </a:xfrm>
         </p:spPr>
         <p:txBody>
@@ -12254,13 +12376,31 @@
               <a:t>        TA1CCR1 = 250;               </a:t>
             </a:r>
             <a:r>
+              <a:rPr lang="en-US" sz="1200" dirty="0" smtClean="0">
+                <a:solidFill>
+                  <a:srgbClr val="000000"/>
+                </a:solidFill>
+                <a:latin typeface="Consolas"/>
+              </a:rPr>
+              <a:t>  </a:t>
+            </a:r>
+            <a:r>
+              <a:rPr lang="en-US" sz="1200" dirty="0" smtClean="0">
+                <a:solidFill>
+                  <a:srgbClr val="3F7F5F"/>
+                </a:solidFill>
+                <a:latin typeface="Consolas"/>
+              </a:rPr>
+              <a:t>// </a:t>
+            </a:r>
+            <a:r>
               <a:rPr lang="en-US" sz="1200" dirty="0">
                 <a:solidFill>
                   <a:srgbClr val="3F7F5F"/>
                 </a:solidFill>
                 <a:latin typeface="Consolas"/>
               </a:rPr>
-              <a:t>// set duty cycle to 250/1000 (25%)</a:t>
+              <a:t>set duty cycle to 250/1000 (25%)</a:t>
             </a:r>
           </a:p>
           <a:p>
@@ -13128,434 +13268,6 @@
                 <a:schemeClr val="accent2"/>
               </a:solidFill>
             </a:endParaRPr>
-          </a:p>
-        </p:txBody>
-      </p:sp>
-      <p:sp>
-        <p:nvSpPr>
-          <p:cNvPr id="7" name="TextBox 6"/>
-          <p:cNvSpPr txBox="1"/>
-          <p:nvPr/>
-        </p:nvSpPr>
-        <p:spPr>
-          <a:xfrm>
-            <a:off x="4859153" y="1609051"/>
-            <a:ext cx="6571030" cy="4070345"/>
-          </a:xfrm>
-          <a:prstGeom prst="rect">
-            <a:avLst/>
-          </a:prstGeom>
-          <a:noFill/>
-        </p:spPr>
-        <p:txBody>
-          <a:bodyPr wrap="none" rtlCol="0">
-            <a:spAutoFit/>
-          </a:bodyPr>
-          <a:lstStyle/>
-          <a:p>
-            <a:pPr marL="0" indent="0">
-              <a:buNone/>
-            </a:pPr>
-            <a:r>
-              <a:rPr lang="en-US" sz="1100" b="1" dirty="0">
-                <a:solidFill>
-                  <a:srgbClr val="7F0055"/>
-                </a:solidFill>
-                <a:latin typeface="Consolas"/>
-              </a:rPr>
-              <a:t>#pragma</a:t>
-            </a:r>
-            <a:r>
-              <a:rPr lang="en-US" sz="1100" b="1" dirty="0">
-                <a:solidFill>
-                  <a:srgbClr val="000000"/>
-                </a:solidFill>
-                <a:latin typeface="Consolas"/>
-              </a:rPr>
-              <a:t> vector = TIMER1_A0_VECTOR            </a:t>
-            </a:r>
-            <a:r>
-              <a:rPr lang="en-US" sz="1100" b="1" dirty="0">
-                <a:solidFill>
-                  <a:srgbClr val="3F7F5F"/>
-                </a:solidFill>
-                <a:latin typeface="Consolas"/>
-              </a:rPr>
-              <a:t>// This is from the MSP430G2553.h file</a:t>
-            </a:r>
-          </a:p>
-          <a:p>
-            <a:pPr marL="0" indent="0">
-              <a:buNone/>
-            </a:pPr>
-            <a:r>
-              <a:rPr lang="en-US" sz="1100" b="1" dirty="0">
-                <a:solidFill>
-                  <a:srgbClr val="7F0055"/>
-                </a:solidFill>
-                <a:latin typeface="Consolas"/>
-              </a:rPr>
-              <a:t>__interrupt</a:t>
-            </a:r>
-            <a:r>
-              <a:rPr lang="en-US" sz="1100" b="1" dirty="0">
-                <a:solidFill>
-                  <a:srgbClr val="000000"/>
-                </a:solidFill>
-                <a:latin typeface="Consolas"/>
-              </a:rPr>
-              <a:t> </a:t>
-            </a:r>
-            <a:r>
-              <a:rPr lang="en-US" sz="1100" b="1" dirty="0">
-                <a:solidFill>
-                  <a:srgbClr val="7F0055"/>
-                </a:solidFill>
-                <a:latin typeface="Consolas"/>
-              </a:rPr>
-              <a:t>void</a:t>
-            </a:r>
-            <a:r>
-              <a:rPr lang="en-US" sz="1100" b="1" dirty="0">
-                <a:solidFill>
-                  <a:srgbClr val="000000"/>
-                </a:solidFill>
-                <a:latin typeface="Consolas"/>
-              </a:rPr>
-              <a:t> </a:t>
-            </a:r>
-            <a:r>
-              <a:rPr lang="en-US" sz="1100" b="1" dirty="0" err="1">
-                <a:solidFill>
-                  <a:srgbClr val="000000"/>
-                </a:solidFill>
-                <a:latin typeface="Consolas"/>
-              </a:rPr>
-              <a:t>captureCompareInt</a:t>
-            </a:r>
-            <a:r>
-              <a:rPr lang="en-US" sz="1100" b="1" dirty="0">
-                <a:solidFill>
-                  <a:srgbClr val="000000"/>
-                </a:solidFill>
-                <a:latin typeface="Consolas"/>
-              </a:rPr>
-              <a:t> (</a:t>
-            </a:r>
-            <a:r>
-              <a:rPr lang="en-US" sz="1100" b="1" dirty="0">
-                <a:solidFill>
-                  <a:srgbClr val="7F0055"/>
-                </a:solidFill>
-                <a:latin typeface="Consolas"/>
-              </a:rPr>
-              <a:t>void</a:t>
-            </a:r>
-            <a:r>
-              <a:rPr lang="en-US" sz="1100" b="1" dirty="0">
-                <a:solidFill>
-                  <a:srgbClr val="000000"/>
-                </a:solidFill>
-                <a:latin typeface="Consolas"/>
-              </a:rPr>
-              <a:t>) {</a:t>
-            </a:r>
-          </a:p>
-          <a:p>
-            <a:pPr marL="0" indent="0">
-              <a:buNone/>
-            </a:pPr>
-            <a:r>
-              <a:rPr lang="en-US" sz="1100" dirty="0">
-                <a:solidFill>
-                  <a:srgbClr val="000000"/>
-                </a:solidFill>
-                <a:latin typeface="Consolas"/>
-              </a:rPr>
-              <a:t>    P1OUT |= BIT0;                        </a:t>
-            </a:r>
-            <a:r>
-              <a:rPr lang="en-US" sz="1100" dirty="0">
-                <a:solidFill>
-                  <a:srgbClr val="3F7F5F"/>
-                </a:solidFill>
-                <a:latin typeface="Consolas"/>
-              </a:rPr>
-              <a:t>//Turn on LED</a:t>
-            </a:r>
-          </a:p>
-          <a:p>
-            <a:pPr marL="0" indent="0">
-              <a:buNone/>
-            </a:pPr>
-            <a:r>
-              <a:rPr lang="en-US" sz="1100" dirty="0">
-                <a:solidFill>
-                  <a:srgbClr val="000000"/>
-                </a:solidFill>
-                <a:latin typeface="Consolas"/>
-              </a:rPr>
-              <a:t>    </a:t>
-            </a:r>
-            <a:r>
-              <a:rPr lang="en-US" sz="1100" dirty="0">
-                <a:solidFill>
-                  <a:srgbClr val="3F7F5F"/>
-                </a:solidFill>
-                <a:latin typeface="Consolas"/>
-              </a:rPr>
-              <a:t>// Disable Timer A Interrupt</a:t>
-            </a:r>
-          </a:p>
-          <a:p>
-            <a:pPr marL="0" indent="0">
-              <a:buNone/>
-            </a:pPr>
-            <a:r>
-              <a:rPr lang="en-US" sz="1100" dirty="0">
-                <a:solidFill>
-                  <a:srgbClr val="000000"/>
-                </a:solidFill>
-                <a:latin typeface="Consolas"/>
-              </a:rPr>
-              <a:t>    TA1CCTL1 &amp;= ~CCIFG;                </a:t>
-            </a:r>
-            <a:r>
-              <a:rPr lang="en-US" sz="1100" dirty="0">
-                <a:solidFill>
-                  <a:srgbClr val="3F7F5F"/>
-                </a:solidFill>
-                <a:latin typeface="Consolas"/>
-              </a:rPr>
-              <a:t>//clear capture compare interrupt flag</a:t>
-            </a:r>
-          </a:p>
-          <a:p>
-            <a:pPr marL="0" indent="0">
-              <a:buNone/>
-            </a:pPr>
-            <a:r>
-              <a:rPr lang="en-US" sz="1100" dirty="0">
-                <a:solidFill>
-                  <a:srgbClr val="3F7F5F"/>
-                </a:solidFill>
-                <a:latin typeface="Consolas"/>
-              </a:rPr>
-              <a:t>//    TACTL &amp;= ~TAIFG;</a:t>
-            </a:r>
-          </a:p>
-          <a:p>
-            <a:pPr marL="0" indent="0">
-              <a:buNone/>
-            </a:pPr>
-            <a:r>
-              <a:rPr lang="en-US" sz="1100" dirty="0">
-                <a:solidFill>
-                  <a:srgbClr val="000000"/>
-                </a:solidFill>
-                <a:latin typeface="Consolas"/>
-              </a:rPr>
-              <a:t>}</a:t>
-            </a:r>
-          </a:p>
-          <a:p>
-            <a:pPr marL="0" indent="0">
-              <a:buNone/>
-            </a:pPr>
-            <a:endParaRPr lang="en-US" sz="1100" dirty="0">
-              <a:latin typeface="Consolas"/>
-            </a:endParaRPr>
-          </a:p>
-          <a:p>
-            <a:pPr marL="0" indent="0">
-              <a:buNone/>
-            </a:pPr>
-            <a:r>
-              <a:rPr lang="en-US" sz="1100" b="1" dirty="0">
-                <a:solidFill>
-                  <a:srgbClr val="7F0055"/>
-                </a:solidFill>
-                <a:latin typeface="Consolas"/>
-              </a:rPr>
-              <a:t>#pragma</a:t>
-            </a:r>
-            <a:r>
-              <a:rPr lang="en-US" sz="1100" b="1" dirty="0">
-                <a:solidFill>
-                  <a:srgbClr val="000000"/>
-                </a:solidFill>
-                <a:latin typeface="Consolas"/>
-              </a:rPr>
-              <a:t> vector = TIMER1_A1_VECTOR            </a:t>
-            </a:r>
-            <a:r>
-              <a:rPr lang="en-US" sz="1100" b="1" dirty="0">
-                <a:solidFill>
-                  <a:srgbClr val="3F7F5F"/>
-                </a:solidFill>
-                <a:latin typeface="Consolas"/>
-              </a:rPr>
-              <a:t>// This is from the MSP430G2553.h file</a:t>
-            </a:r>
-          </a:p>
-          <a:p>
-            <a:pPr marL="0" indent="0">
-              <a:buNone/>
-            </a:pPr>
-            <a:r>
-              <a:rPr lang="en-US" sz="1100" b="1" dirty="0">
-                <a:solidFill>
-                  <a:srgbClr val="7F0055"/>
-                </a:solidFill>
-                <a:latin typeface="Consolas"/>
-              </a:rPr>
-              <a:t>__interrupt</a:t>
-            </a:r>
-            <a:r>
-              <a:rPr lang="en-US" sz="1100" b="1" dirty="0">
-                <a:solidFill>
-                  <a:srgbClr val="000000"/>
-                </a:solidFill>
-                <a:latin typeface="Consolas"/>
-              </a:rPr>
-              <a:t> </a:t>
-            </a:r>
-            <a:r>
-              <a:rPr lang="en-US" sz="1100" b="1" dirty="0">
-                <a:solidFill>
-                  <a:srgbClr val="7F0055"/>
-                </a:solidFill>
-                <a:latin typeface="Consolas"/>
-              </a:rPr>
-              <a:t>void</a:t>
-            </a:r>
-            <a:r>
-              <a:rPr lang="en-US" sz="1100" b="1" dirty="0">
-                <a:solidFill>
-                  <a:srgbClr val="000000"/>
-                </a:solidFill>
-                <a:latin typeface="Consolas"/>
-              </a:rPr>
-              <a:t> captureCompareInt2 (</a:t>
-            </a:r>
-            <a:r>
-              <a:rPr lang="en-US" sz="1100" b="1" dirty="0">
-                <a:solidFill>
-                  <a:srgbClr val="7F0055"/>
-                </a:solidFill>
-                <a:latin typeface="Consolas"/>
-              </a:rPr>
-              <a:t>void</a:t>
-            </a:r>
-            <a:r>
-              <a:rPr lang="en-US" sz="1100" b="1" dirty="0">
-                <a:solidFill>
-                  <a:srgbClr val="000000"/>
-                </a:solidFill>
-                <a:latin typeface="Consolas"/>
-              </a:rPr>
-              <a:t>) {</a:t>
-            </a:r>
-          </a:p>
-          <a:p>
-            <a:pPr marL="0" indent="0">
-              <a:buNone/>
-            </a:pPr>
-            <a:r>
-              <a:rPr lang="en-US" sz="1100" dirty="0">
-                <a:solidFill>
-                  <a:srgbClr val="000000"/>
-                </a:solidFill>
-                <a:latin typeface="Consolas"/>
-              </a:rPr>
-              <a:t>    P1OUT &amp;= ~BIT0;                        </a:t>
-            </a:r>
-            <a:r>
-              <a:rPr lang="en-US" sz="1100" dirty="0">
-                <a:solidFill>
-                  <a:srgbClr val="3F7F5F"/>
-                </a:solidFill>
-                <a:latin typeface="Consolas"/>
-              </a:rPr>
-              <a:t>//Turn off LED</a:t>
-            </a:r>
-          </a:p>
-          <a:p>
-            <a:pPr marL="0" indent="0">
-              <a:buNone/>
-            </a:pPr>
-            <a:r>
-              <a:rPr lang="en-US" sz="1100" dirty="0">
-                <a:solidFill>
-                  <a:srgbClr val="000000"/>
-                </a:solidFill>
-                <a:latin typeface="Consolas"/>
-              </a:rPr>
-              <a:t>    </a:t>
-            </a:r>
-            <a:r>
-              <a:rPr lang="en-US" sz="1100" dirty="0">
-                <a:solidFill>
-                  <a:srgbClr val="3F7F5F"/>
-                </a:solidFill>
-                <a:latin typeface="Consolas"/>
-              </a:rPr>
-              <a:t>// Disable Timer A Interrupt</a:t>
-            </a:r>
-          </a:p>
-          <a:p>
-            <a:pPr marL="0" indent="0">
-              <a:buNone/>
-            </a:pPr>
-            <a:r>
-              <a:rPr lang="en-US" sz="1100" dirty="0">
-                <a:solidFill>
-                  <a:srgbClr val="000000"/>
-                </a:solidFill>
-                <a:latin typeface="Consolas"/>
-              </a:rPr>
-              <a:t>    TA1CCTL1 &amp;= ~CCIFG;                </a:t>
-            </a:r>
-            <a:r>
-              <a:rPr lang="en-US" sz="1100" dirty="0">
-                <a:solidFill>
-                  <a:srgbClr val="3F7F5F"/>
-                </a:solidFill>
-                <a:latin typeface="Consolas"/>
-              </a:rPr>
-              <a:t>//clear capture compare interrupt flag</a:t>
-            </a:r>
-          </a:p>
-          <a:p>
-            <a:pPr marL="0" indent="0">
-              <a:buNone/>
-            </a:pPr>
-            <a:r>
-              <a:rPr lang="en-US" sz="1100" dirty="0">
-                <a:solidFill>
-                  <a:srgbClr val="3F7F5F"/>
-                </a:solidFill>
-                <a:latin typeface="Consolas"/>
-              </a:rPr>
-              <a:t>//    TACTL &amp;= ~TAIFG;</a:t>
-            </a:r>
-          </a:p>
-          <a:p>
-            <a:pPr marL="0" indent="0">
-              <a:buNone/>
-            </a:pPr>
-            <a:r>
-              <a:rPr lang="en-US" sz="1100" dirty="0">
-                <a:solidFill>
-                  <a:srgbClr val="000000"/>
-                </a:solidFill>
-                <a:latin typeface="Consolas"/>
-              </a:rPr>
-              <a:t>}</a:t>
-            </a:r>
-          </a:p>
-          <a:p>
-            <a:endParaRPr lang="en-US" sz="1100" dirty="0"/>
           </a:p>
         </p:txBody>
       </p:sp>
@@ -13598,6 +13310,494 @@
       </p:grpSpPr>
       <p:sp>
         <p:nvSpPr>
+          <p:cNvPr id="2" name="Title 1"/>
+          <p:cNvSpPr>
+            <a:spLocks noGrp="1"/>
+          </p:cNvSpPr>
+          <p:nvPr>
+            <p:ph type="title"/>
+          </p:nvPr>
+        </p:nvSpPr>
+        <p:spPr/>
+        <p:txBody>
+          <a:bodyPr/>
+          <a:lstStyle/>
+          <a:p>
+            <a:r>
+              <a:rPr lang="en-US" b="1" dirty="0" smtClean="0"/>
+              <a:t>Example with Interrupt</a:t>
+            </a:r>
+            <a:endParaRPr lang="en-US" b="1" dirty="0"/>
+          </a:p>
+        </p:txBody>
+      </p:sp>
+      <p:sp>
+        <p:nvSpPr>
+          <p:cNvPr id="7" name="TextBox 6"/>
+          <p:cNvSpPr txBox="1"/>
+          <p:nvPr/>
+        </p:nvSpPr>
+        <p:spPr>
+          <a:xfrm>
+            <a:off x="439553" y="1681241"/>
+            <a:ext cx="7214606" cy="4070345"/>
+          </a:xfrm>
+          <a:prstGeom prst="rect">
+            <a:avLst/>
+          </a:prstGeom>
+          <a:noFill/>
+        </p:spPr>
+        <p:txBody>
+          <a:bodyPr wrap="square" rtlCol="0">
+            <a:spAutoFit/>
+          </a:bodyPr>
+          <a:lstStyle/>
+          <a:p>
+            <a:pPr marL="0" indent="0">
+              <a:buNone/>
+            </a:pPr>
+            <a:r>
+              <a:rPr lang="en-US" sz="1100" b="1" dirty="0">
+                <a:solidFill>
+                  <a:srgbClr val="7F0055"/>
+                </a:solidFill>
+                <a:latin typeface="Consolas"/>
+              </a:rPr>
+              <a:t>#pragma</a:t>
+            </a:r>
+            <a:r>
+              <a:rPr lang="en-US" sz="1100" b="1" dirty="0">
+                <a:solidFill>
+                  <a:srgbClr val="000000"/>
+                </a:solidFill>
+                <a:latin typeface="Consolas"/>
+              </a:rPr>
+              <a:t> vector = TIMER1_A0_VECTOR            </a:t>
+            </a:r>
+            <a:r>
+              <a:rPr lang="en-US" sz="1100" b="1" dirty="0">
+                <a:solidFill>
+                  <a:srgbClr val="3F7F5F"/>
+                </a:solidFill>
+                <a:latin typeface="Consolas"/>
+              </a:rPr>
+              <a:t>// This is from the MSP430G2553.h file</a:t>
+            </a:r>
+          </a:p>
+          <a:p>
+            <a:pPr marL="0" indent="0">
+              <a:buNone/>
+            </a:pPr>
+            <a:r>
+              <a:rPr lang="en-US" sz="1100" b="1" dirty="0">
+                <a:solidFill>
+                  <a:srgbClr val="7F0055"/>
+                </a:solidFill>
+                <a:latin typeface="Consolas"/>
+              </a:rPr>
+              <a:t>__interrupt</a:t>
+            </a:r>
+            <a:r>
+              <a:rPr lang="en-US" sz="1100" b="1" dirty="0">
+                <a:solidFill>
+                  <a:srgbClr val="000000"/>
+                </a:solidFill>
+                <a:latin typeface="Consolas"/>
+              </a:rPr>
+              <a:t> </a:t>
+            </a:r>
+            <a:r>
+              <a:rPr lang="en-US" sz="1100" b="1" dirty="0">
+                <a:solidFill>
+                  <a:srgbClr val="7F0055"/>
+                </a:solidFill>
+                <a:latin typeface="Consolas"/>
+              </a:rPr>
+              <a:t>void</a:t>
+            </a:r>
+            <a:r>
+              <a:rPr lang="en-US" sz="1100" b="1" dirty="0">
+                <a:solidFill>
+                  <a:srgbClr val="000000"/>
+                </a:solidFill>
+                <a:latin typeface="Consolas"/>
+              </a:rPr>
+              <a:t> </a:t>
+            </a:r>
+            <a:r>
+              <a:rPr lang="en-US" sz="1100" b="1" dirty="0" err="1">
+                <a:solidFill>
+                  <a:srgbClr val="000000"/>
+                </a:solidFill>
+                <a:latin typeface="Consolas"/>
+              </a:rPr>
+              <a:t>captureCompareInt</a:t>
+            </a:r>
+            <a:r>
+              <a:rPr lang="en-US" sz="1100" b="1" dirty="0">
+                <a:solidFill>
+                  <a:srgbClr val="000000"/>
+                </a:solidFill>
+                <a:latin typeface="Consolas"/>
+              </a:rPr>
+              <a:t> (</a:t>
+            </a:r>
+            <a:r>
+              <a:rPr lang="en-US" sz="1100" b="1" dirty="0">
+                <a:solidFill>
+                  <a:srgbClr val="7F0055"/>
+                </a:solidFill>
+                <a:latin typeface="Consolas"/>
+              </a:rPr>
+              <a:t>void</a:t>
+            </a:r>
+            <a:r>
+              <a:rPr lang="en-US" sz="1100" b="1" dirty="0">
+                <a:solidFill>
+                  <a:srgbClr val="000000"/>
+                </a:solidFill>
+                <a:latin typeface="Consolas"/>
+              </a:rPr>
+              <a:t>) {</a:t>
+            </a:r>
+          </a:p>
+          <a:p>
+            <a:pPr marL="0" indent="0">
+              <a:buNone/>
+            </a:pPr>
+            <a:r>
+              <a:rPr lang="en-US" sz="1100" dirty="0">
+                <a:solidFill>
+                  <a:srgbClr val="000000"/>
+                </a:solidFill>
+                <a:latin typeface="Consolas"/>
+              </a:rPr>
+              <a:t>    P1OUT |= BIT0;                        </a:t>
+            </a:r>
+            <a:r>
+              <a:rPr lang="en-US" sz="1100" dirty="0">
+                <a:solidFill>
+                  <a:srgbClr val="3F7F5F"/>
+                </a:solidFill>
+                <a:latin typeface="Consolas"/>
+              </a:rPr>
+              <a:t>//Turn on LED</a:t>
+            </a:r>
+          </a:p>
+          <a:p>
+            <a:pPr marL="0" indent="0">
+              <a:buNone/>
+            </a:pPr>
+            <a:r>
+              <a:rPr lang="en-US" sz="1100" dirty="0">
+                <a:solidFill>
+                  <a:srgbClr val="000000"/>
+                </a:solidFill>
+                <a:latin typeface="Consolas"/>
+              </a:rPr>
+              <a:t>    </a:t>
+            </a:r>
+            <a:r>
+              <a:rPr lang="en-US" sz="1100" dirty="0">
+                <a:solidFill>
+                  <a:srgbClr val="3F7F5F"/>
+                </a:solidFill>
+                <a:latin typeface="Consolas"/>
+              </a:rPr>
+              <a:t>// Disable Timer A Interrupt</a:t>
+            </a:r>
+          </a:p>
+          <a:p>
+            <a:pPr marL="0" indent="0">
+              <a:buNone/>
+            </a:pPr>
+            <a:r>
+              <a:rPr lang="en-US" sz="1100" dirty="0">
+                <a:solidFill>
+                  <a:srgbClr val="000000"/>
+                </a:solidFill>
+                <a:latin typeface="Consolas"/>
+              </a:rPr>
+              <a:t>    TA1CCTL1 &amp;= ~CCIFG;                </a:t>
+            </a:r>
+            <a:r>
+              <a:rPr lang="en-US" sz="1100" dirty="0">
+                <a:solidFill>
+                  <a:srgbClr val="3F7F5F"/>
+                </a:solidFill>
+                <a:latin typeface="Consolas"/>
+              </a:rPr>
+              <a:t>//clear capture compare interrupt flag</a:t>
+            </a:r>
+          </a:p>
+          <a:p>
+            <a:pPr marL="0" indent="0">
+              <a:buNone/>
+            </a:pPr>
+            <a:r>
+              <a:rPr lang="en-US" sz="1100" dirty="0">
+                <a:solidFill>
+                  <a:srgbClr val="3F7F5F"/>
+                </a:solidFill>
+                <a:latin typeface="Consolas"/>
+              </a:rPr>
+              <a:t>//    TACTL &amp;= ~TAIFG;</a:t>
+            </a:r>
+          </a:p>
+          <a:p>
+            <a:pPr marL="0" indent="0">
+              <a:buNone/>
+            </a:pPr>
+            <a:r>
+              <a:rPr lang="en-US" sz="1100" dirty="0">
+                <a:solidFill>
+                  <a:srgbClr val="000000"/>
+                </a:solidFill>
+                <a:latin typeface="Consolas"/>
+              </a:rPr>
+              <a:t>}</a:t>
+            </a:r>
+          </a:p>
+          <a:p>
+            <a:pPr marL="0" indent="0">
+              <a:buNone/>
+            </a:pPr>
+            <a:endParaRPr lang="en-US" sz="1100" dirty="0">
+              <a:latin typeface="Consolas"/>
+            </a:endParaRPr>
+          </a:p>
+          <a:p>
+            <a:pPr marL="0" indent="0">
+              <a:buNone/>
+            </a:pPr>
+            <a:r>
+              <a:rPr lang="en-US" sz="1100" b="1" dirty="0">
+                <a:solidFill>
+                  <a:srgbClr val="7F0055"/>
+                </a:solidFill>
+                <a:latin typeface="Consolas"/>
+              </a:rPr>
+              <a:t>#pragma</a:t>
+            </a:r>
+            <a:r>
+              <a:rPr lang="en-US" sz="1100" b="1" dirty="0">
+                <a:solidFill>
+                  <a:srgbClr val="000000"/>
+                </a:solidFill>
+                <a:latin typeface="Consolas"/>
+              </a:rPr>
+              <a:t> vector = TIMER1_A1_VECTOR            </a:t>
+            </a:r>
+            <a:r>
+              <a:rPr lang="en-US" sz="1100" b="1" dirty="0">
+                <a:solidFill>
+                  <a:srgbClr val="3F7F5F"/>
+                </a:solidFill>
+                <a:latin typeface="Consolas"/>
+              </a:rPr>
+              <a:t>// This is from the MSP430G2553.h file</a:t>
+            </a:r>
+          </a:p>
+          <a:p>
+            <a:pPr marL="0" indent="0">
+              <a:buNone/>
+            </a:pPr>
+            <a:r>
+              <a:rPr lang="en-US" sz="1100" b="1" dirty="0">
+                <a:solidFill>
+                  <a:srgbClr val="7F0055"/>
+                </a:solidFill>
+                <a:latin typeface="Consolas"/>
+              </a:rPr>
+              <a:t>__interrupt</a:t>
+            </a:r>
+            <a:r>
+              <a:rPr lang="en-US" sz="1100" b="1" dirty="0">
+                <a:solidFill>
+                  <a:srgbClr val="000000"/>
+                </a:solidFill>
+                <a:latin typeface="Consolas"/>
+              </a:rPr>
+              <a:t> </a:t>
+            </a:r>
+            <a:r>
+              <a:rPr lang="en-US" sz="1100" b="1" dirty="0">
+                <a:solidFill>
+                  <a:srgbClr val="7F0055"/>
+                </a:solidFill>
+                <a:latin typeface="Consolas"/>
+              </a:rPr>
+              <a:t>void</a:t>
+            </a:r>
+            <a:r>
+              <a:rPr lang="en-US" sz="1100" b="1" dirty="0">
+                <a:solidFill>
+                  <a:srgbClr val="000000"/>
+                </a:solidFill>
+                <a:latin typeface="Consolas"/>
+              </a:rPr>
+              <a:t> captureCompareInt2 (</a:t>
+            </a:r>
+            <a:r>
+              <a:rPr lang="en-US" sz="1100" b="1" dirty="0">
+                <a:solidFill>
+                  <a:srgbClr val="7F0055"/>
+                </a:solidFill>
+                <a:latin typeface="Consolas"/>
+              </a:rPr>
+              <a:t>void</a:t>
+            </a:r>
+            <a:r>
+              <a:rPr lang="en-US" sz="1100" b="1" dirty="0">
+                <a:solidFill>
+                  <a:srgbClr val="000000"/>
+                </a:solidFill>
+                <a:latin typeface="Consolas"/>
+              </a:rPr>
+              <a:t>) {</a:t>
+            </a:r>
+          </a:p>
+          <a:p>
+            <a:pPr marL="0" indent="0">
+              <a:buNone/>
+            </a:pPr>
+            <a:r>
+              <a:rPr lang="en-US" sz="1100" dirty="0">
+                <a:solidFill>
+                  <a:srgbClr val="000000"/>
+                </a:solidFill>
+                <a:latin typeface="Consolas"/>
+              </a:rPr>
+              <a:t>    P1OUT &amp;= ~BIT0;                        </a:t>
+            </a:r>
+            <a:r>
+              <a:rPr lang="en-US" sz="1100" dirty="0">
+                <a:solidFill>
+                  <a:srgbClr val="3F7F5F"/>
+                </a:solidFill>
+                <a:latin typeface="Consolas"/>
+              </a:rPr>
+              <a:t>//Turn off LED</a:t>
+            </a:r>
+          </a:p>
+          <a:p>
+            <a:pPr marL="0" indent="0">
+              <a:buNone/>
+            </a:pPr>
+            <a:r>
+              <a:rPr lang="en-US" sz="1100" dirty="0">
+                <a:solidFill>
+                  <a:srgbClr val="000000"/>
+                </a:solidFill>
+                <a:latin typeface="Consolas"/>
+              </a:rPr>
+              <a:t>    </a:t>
+            </a:r>
+            <a:r>
+              <a:rPr lang="en-US" sz="1100" dirty="0">
+                <a:solidFill>
+                  <a:srgbClr val="3F7F5F"/>
+                </a:solidFill>
+                <a:latin typeface="Consolas"/>
+              </a:rPr>
+              <a:t>// Disable Timer A Interrupt</a:t>
+            </a:r>
+          </a:p>
+          <a:p>
+            <a:pPr marL="0" indent="0">
+              <a:buNone/>
+            </a:pPr>
+            <a:r>
+              <a:rPr lang="en-US" sz="1100" dirty="0">
+                <a:solidFill>
+                  <a:srgbClr val="000000"/>
+                </a:solidFill>
+                <a:latin typeface="Consolas"/>
+              </a:rPr>
+              <a:t>    TA1CCTL1 &amp;= ~CCIFG;                </a:t>
+            </a:r>
+            <a:r>
+              <a:rPr lang="en-US" sz="1100" dirty="0">
+                <a:solidFill>
+                  <a:srgbClr val="3F7F5F"/>
+                </a:solidFill>
+                <a:latin typeface="Consolas"/>
+              </a:rPr>
+              <a:t>//clear capture compare interrupt flag</a:t>
+            </a:r>
+          </a:p>
+          <a:p>
+            <a:pPr marL="0" indent="0">
+              <a:buNone/>
+            </a:pPr>
+            <a:r>
+              <a:rPr lang="en-US" sz="1100" dirty="0">
+                <a:solidFill>
+                  <a:srgbClr val="3F7F5F"/>
+                </a:solidFill>
+                <a:latin typeface="Consolas"/>
+              </a:rPr>
+              <a:t>//    TACTL &amp;= ~TAIFG;</a:t>
+            </a:r>
+          </a:p>
+          <a:p>
+            <a:pPr marL="0" indent="0">
+              <a:buNone/>
+            </a:pPr>
+            <a:r>
+              <a:rPr lang="en-US" sz="1100" dirty="0">
+                <a:solidFill>
+                  <a:srgbClr val="000000"/>
+                </a:solidFill>
+                <a:latin typeface="Consolas"/>
+              </a:rPr>
+              <a:t>}</a:t>
+            </a:r>
+          </a:p>
+          <a:p>
+            <a:endParaRPr lang="en-US" sz="1100" dirty="0"/>
+          </a:p>
+        </p:txBody>
+      </p:sp>
+    </p:spTree>
+    <p:extLst>
+      <p:ext uri="{BB962C8B-B14F-4D97-AF65-F5344CB8AC3E}">
+        <p14:creationId xmlns:p14="http://schemas.microsoft.com/office/powerpoint/2010/main" val="1800504559"/>
+      </p:ext>
+    </p:extLst>
+  </p:cSld>
+  <p:clrMapOvr>
+    <a:masterClrMapping/>
+  </p:clrMapOvr>
+  <p:timing>
+    <p:tnLst>
+      <p:par>
+        <p:cTn id="1" dur="indefinite" restart="never" nodeType="tmRoot"/>
+      </p:par>
+    </p:tnLst>
+  </p:timing>
+</p:sld>
+</file>
+
+<file path=ppt/slides/slide22.xml><?xml version="1.0" encoding="utf-8"?>
+<p:sld xmlns:a="http://schemas.openxmlformats.org/drawingml/2006/main" xmlns:r="http://schemas.openxmlformats.org/officeDocument/2006/relationships" xmlns:p="http://schemas.openxmlformats.org/presentationml/2006/main">
+  <p:cSld>
+    <p:spTree>
+      <p:nvGrpSpPr>
+        <p:cNvPr id="1" name=""/>
+        <p:cNvGrpSpPr/>
+        <p:nvPr/>
+      </p:nvGrpSpPr>
+      <p:grpSpPr>
+        <a:xfrm>
+          <a:off x="0" y="0"/>
+          <a:ext cx="0" cy="0"/>
+          <a:chOff x="0" y="0"/>
+          <a:chExt cx="0" cy="0"/>
+        </a:xfrm>
+      </p:grpSpPr>
+      <p:sp>
+        <p:nvSpPr>
           <p:cNvPr id="5" name="Subtitle 4"/>
           <p:cNvSpPr>
             <a:spLocks noGrp="1"/>
@@ -13659,7 +13859,7 @@
 </p:sld>
 </file>
 
-<file path=ppt/slides/slide22.xml><?xml version="1.0" encoding="utf-8"?>
+<file path=ppt/slides/slide23.xml><?xml version="1.0" encoding="utf-8"?>
 <p:sld xmlns:a="http://schemas.openxmlformats.org/drawingml/2006/main" xmlns:r="http://schemas.openxmlformats.org/officeDocument/2006/relationships" xmlns:p="http://schemas.openxmlformats.org/presentationml/2006/main">
   <p:cSld>
     <p:spTree>
@@ -13749,7 +13949,7 @@
 </p:sld>
 </file>
 
-<file path=ppt/slides/slide23.xml><?xml version="1.0" encoding="utf-8"?>
+<file path=ppt/slides/slide24.xml><?xml version="1.0" encoding="utf-8"?>
 <p:sld xmlns:a="http://schemas.openxmlformats.org/drawingml/2006/main" xmlns:r="http://schemas.openxmlformats.org/officeDocument/2006/relationships" xmlns:p="http://schemas.openxmlformats.org/presentationml/2006/main">
   <p:cSld>
     <p:spTree>
@@ -13884,7 +14084,7 @@
 </p:sld>
 </file>
 
-<file path=ppt/slides/slide24.xml><?xml version="1.0" encoding="utf-8"?>
+<file path=ppt/slides/slide25.xml><?xml version="1.0" encoding="utf-8"?>
 <p:sld xmlns:a="http://schemas.openxmlformats.org/drawingml/2006/main" xmlns:r="http://schemas.openxmlformats.org/officeDocument/2006/relationships" xmlns:p="http://schemas.openxmlformats.org/presentationml/2006/main">
   <p:cSld>
     <p:spTree>
@@ -14066,7 +14266,7 @@
 </p:sld>
 </file>
 
-<file path=ppt/slides/slide25.xml><?xml version="1.0" encoding="utf-8"?>
+<file path=ppt/slides/slide26.xml><?xml version="1.0" encoding="utf-8"?>
 <p:sld xmlns:a="http://schemas.openxmlformats.org/drawingml/2006/main" xmlns:r="http://schemas.openxmlformats.org/officeDocument/2006/relationships" xmlns:p="http://schemas.openxmlformats.org/presentationml/2006/main">
   <p:cSld>
     <p:spTree>
@@ -14207,7 +14407,7 @@
 </p:sld>
 </file>
 
-<file path=ppt/slides/slide26.xml><?xml version="1.0" encoding="utf-8"?>
+<file path=ppt/slides/slide27.xml><?xml version="1.0" encoding="utf-8"?>
 <p:sld xmlns:a="http://schemas.openxmlformats.org/drawingml/2006/main" xmlns:r="http://schemas.openxmlformats.org/officeDocument/2006/relationships" xmlns:p="http://schemas.openxmlformats.org/presentationml/2006/main">
   <p:cSld>
     <p:spTree>
@@ -14274,7 +14474,7 @@
             <a:fld id="{B18D9980-6E72-4E73-925C-1AB0FE8C6AC2}" type="slidenum">
               <a:rPr lang="en-US" smtClean="0"/>
               <a:pPr algn="r"/>
-              <a:t>26</a:t>
+              <a:t>27</a:t>
             </a:fld>
             <a:endParaRPr lang="en-US" dirty="0"/>
           </a:p>
@@ -14341,7 +14541,7 @@
 </p:sld>
 </file>
 
-<file path=ppt/slides/slide27.xml><?xml version="1.0" encoding="utf-8"?>
+<file path=ppt/slides/slide28.xml><?xml version="1.0" encoding="utf-8"?>
 <p:sld xmlns:a="http://schemas.openxmlformats.org/drawingml/2006/main" xmlns:r="http://schemas.openxmlformats.org/officeDocument/2006/relationships" xmlns:p="http://schemas.openxmlformats.org/presentationml/2006/main">
   <p:cSld>
     <p:spTree>
@@ -14408,7 +14608,7 @@
             <a:fld id="{B18D9980-6E72-4E73-925C-1AB0FE8C6AC2}" type="slidenum">
               <a:rPr lang="en-US" smtClean="0"/>
               <a:pPr algn="r"/>
-              <a:t>27</a:t>
+              <a:t>28</a:t>
             </a:fld>
             <a:endParaRPr lang="en-US" dirty="0"/>
           </a:p>
@@ -14892,7 +15092,7 @@
 </p:sld>
 </file>
 
-<file path=ppt/slides/slide28.xml><?xml version="1.0" encoding="utf-8"?>
+<file path=ppt/slides/slide29.xml><?xml version="1.0" encoding="utf-8"?>
 <p:sld xmlns:a="http://schemas.openxmlformats.org/drawingml/2006/main" xmlns:r="http://schemas.openxmlformats.org/officeDocument/2006/relationships" xmlns:p="http://schemas.openxmlformats.org/presentationml/2006/main">
   <p:cSld>
     <p:spTree>
@@ -14959,7 +15159,7 @@
             <a:fld id="{B18D9980-6E72-4E73-925C-1AB0FE8C6AC2}" type="slidenum">
               <a:rPr lang="en-US" smtClean="0"/>
               <a:pPr algn="r"/>
-              <a:t>28</a:t>
+              <a:t>29</a:t>
             </a:fld>
             <a:endParaRPr lang="en-US" dirty="0"/>
           </a:p>
@@ -15430,411 +15630,6 @@
 </p:sld>
 </file>
 
-<file path=ppt/slides/slide29.xml><?xml version="1.0" encoding="utf-8"?>
-<p:sld xmlns:a="http://schemas.openxmlformats.org/drawingml/2006/main" xmlns:r="http://schemas.openxmlformats.org/officeDocument/2006/relationships" xmlns:p="http://schemas.openxmlformats.org/presentationml/2006/main">
-  <p:cSld>
-    <p:spTree>
-      <p:nvGrpSpPr>
-        <p:cNvPr id="1" name=""/>
-        <p:cNvGrpSpPr/>
-        <p:nvPr/>
-      </p:nvGrpSpPr>
-      <p:grpSpPr>
-        <a:xfrm>
-          <a:off x="0" y="0"/>
-          <a:ext cx="0" cy="0"/>
-          <a:chOff x="0" y="0"/>
-          <a:chExt cx="0" cy="0"/>
-        </a:xfrm>
-      </p:grpSpPr>
-      <p:sp>
-        <p:nvSpPr>
-          <p:cNvPr id="2" name="Title 1"/>
-          <p:cNvSpPr>
-            <a:spLocks noGrp="1"/>
-          </p:cNvSpPr>
-          <p:nvPr>
-            <p:ph type="title"/>
-          </p:nvPr>
-        </p:nvSpPr>
-        <p:spPr/>
-        <p:txBody>
-          <a:bodyPr/>
-          <a:lstStyle/>
-          <a:p>
-            <a:r>
-              <a:rPr lang="en-US" b="1" dirty="0" smtClean="0"/>
-              <a:t>Using DC Motors</a:t>
-            </a:r>
-            <a:endParaRPr lang="en-US" b="1" dirty="0"/>
-          </a:p>
-        </p:txBody>
-      </p:sp>
-      <p:sp>
-        <p:nvSpPr>
-          <p:cNvPr id="3" name="Content Placeholder 2"/>
-          <p:cNvSpPr>
-            <a:spLocks noGrp="1"/>
-          </p:cNvSpPr>
-          <p:nvPr>
-            <p:ph idx="1"/>
-          </p:nvPr>
-        </p:nvSpPr>
-        <p:spPr>
-          <a:xfrm>
-            <a:off x="348339" y="847679"/>
-            <a:ext cx="8083562" cy="5747330"/>
-          </a:xfrm>
-        </p:spPr>
-        <p:txBody>
-          <a:bodyPr/>
-          <a:lstStyle/>
-          <a:p>
-            <a:pPr marL="0" indent="0">
-              <a:buNone/>
-            </a:pPr>
-            <a:r>
-              <a:rPr lang="en-US" sz="2000" dirty="0" smtClean="0"/>
-              <a:t>How do DC motors work?    How do you make them go faster?</a:t>
-            </a:r>
-          </a:p>
-          <a:p>
-            <a:pPr lvl="1"/>
-            <a:r>
-              <a:rPr lang="en-US" sz="1600" dirty="0" smtClean="0">
-                <a:solidFill>
-                  <a:schemeClr val="accent2"/>
-                </a:solidFill>
-              </a:rPr>
-              <a:t>Provide analog DC voltage… The higher the voltage, the faster it spins</a:t>
-            </a:r>
-            <a:endParaRPr lang="en-US" sz="1600" dirty="0">
-              <a:solidFill>
-                <a:schemeClr val="accent2"/>
-              </a:solidFill>
-            </a:endParaRPr>
-          </a:p>
-          <a:p>
-            <a:pPr marL="0" indent="0">
-              <a:buNone/>
-            </a:pPr>
-            <a:r>
-              <a:rPr lang="en-US" sz="2000" dirty="0" smtClean="0"/>
-              <a:t>Two issues interfacing MSP430 with a DC motor?</a:t>
-            </a:r>
-          </a:p>
-          <a:p>
-            <a:pPr lvl="1"/>
-            <a:r>
-              <a:rPr lang="en-US" sz="1600" dirty="0" smtClean="0">
-                <a:solidFill>
-                  <a:schemeClr val="accent2"/>
-                </a:solidFill>
-              </a:rPr>
-              <a:t>MSP430 only produces two voltages (</a:t>
-            </a:r>
-            <a:r>
-              <a:rPr lang="en-US" sz="1600" dirty="0" err="1" smtClean="0">
-                <a:solidFill>
-                  <a:schemeClr val="accent2"/>
-                </a:solidFill>
-              </a:rPr>
-              <a:t>Vcc</a:t>
-            </a:r>
-            <a:r>
-              <a:rPr lang="en-US" sz="1600" dirty="0" smtClean="0">
-                <a:solidFill>
-                  <a:schemeClr val="accent2"/>
-                </a:solidFill>
-              </a:rPr>
-              <a:t> and </a:t>
-            </a:r>
-            <a:r>
-              <a:rPr lang="en-US" sz="1600" dirty="0" err="1" smtClean="0">
-                <a:solidFill>
-                  <a:schemeClr val="accent2"/>
-                </a:solidFill>
-              </a:rPr>
-              <a:t>Gnd</a:t>
-            </a:r>
-            <a:r>
-              <a:rPr lang="en-US" sz="1600" dirty="0" smtClean="0">
-                <a:solidFill>
-                  <a:schemeClr val="accent2"/>
-                </a:solidFill>
-              </a:rPr>
-              <a:t>)</a:t>
-            </a:r>
-          </a:p>
-          <a:p>
-            <a:pPr marL="0" indent="0">
-              <a:buNone/>
-            </a:pPr>
-            <a:r>
-              <a:rPr lang="en-US" sz="2000" dirty="0" smtClean="0"/>
-              <a:t>	Solution?     </a:t>
-            </a:r>
-            <a:r>
-              <a:rPr lang="en-US" sz="2000" dirty="0" smtClean="0">
-                <a:solidFill>
-                  <a:schemeClr val="accent2"/>
-                </a:solidFill>
-              </a:rPr>
-              <a:t>PWM- pulse width modulation  (remember this?)</a:t>
-            </a:r>
-            <a:endParaRPr lang="en-US" sz="2000" dirty="0">
-              <a:solidFill>
-                <a:schemeClr val="accent2"/>
-              </a:solidFill>
-            </a:endParaRPr>
-          </a:p>
-          <a:p>
-            <a:pPr lvl="1"/>
-            <a:r>
-              <a:rPr lang="en-US" sz="1600" dirty="0" smtClean="0">
-                <a:solidFill>
-                  <a:schemeClr val="accent2"/>
-                </a:solidFill>
-              </a:rPr>
-              <a:t>MSP430 does not source enough current to power the motors (blow the </a:t>
-            </a:r>
-            <a:r>
-              <a:rPr lang="en-US" sz="1600" dirty="0">
-                <a:solidFill>
-                  <a:schemeClr val="accent2"/>
-                </a:solidFill>
-              </a:rPr>
-              <a:t>chip)</a:t>
-            </a:r>
-          </a:p>
-          <a:p>
-            <a:pPr marL="0" indent="0">
-              <a:buNone/>
-            </a:pPr>
-            <a:r>
-              <a:rPr lang="en-US" sz="2000" dirty="0"/>
-              <a:t>	Solution?     </a:t>
-            </a:r>
-            <a:r>
-              <a:rPr lang="en-US" sz="2000" dirty="0" smtClean="0">
-                <a:solidFill>
-                  <a:schemeClr val="accent2"/>
-                </a:solidFill>
-              </a:rPr>
-              <a:t>Motor driver chip (SN754410)</a:t>
-            </a:r>
-            <a:endParaRPr lang="en-US" sz="2000" dirty="0">
-              <a:solidFill>
-                <a:schemeClr val="accent2"/>
-              </a:solidFill>
-            </a:endParaRPr>
-          </a:p>
-          <a:p>
-            <a:pPr lvl="1"/>
-            <a:endParaRPr lang="en-US" sz="1600" dirty="0" smtClean="0">
-              <a:solidFill>
-                <a:schemeClr val="accent2"/>
-              </a:solidFill>
-            </a:endParaRPr>
-          </a:p>
-          <a:p>
-            <a:pPr lvl="1"/>
-            <a:endParaRPr lang="en-US" sz="1200" dirty="0" smtClean="0">
-              <a:solidFill>
-                <a:schemeClr val="accent2"/>
-              </a:solidFill>
-            </a:endParaRPr>
-          </a:p>
-          <a:p>
-            <a:pPr marL="0" indent="0">
-              <a:buNone/>
-            </a:pPr>
-            <a:r>
-              <a:rPr lang="en-US" sz="2000" dirty="0" smtClean="0"/>
-              <a:t>MSP430 Timer system helps</a:t>
-            </a:r>
-          </a:p>
-          <a:p>
-            <a:r>
-              <a:rPr lang="en-US" sz="2000" b="1" dirty="0" smtClean="0"/>
-              <a:t>Input Capture</a:t>
-            </a:r>
-            <a:r>
-              <a:rPr lang="en-US" sz="2000" b="1" dirty="0"/>
-              <a:t>:</a:t>
-            </a:r>
-            <a:r>
-              <a:rPr lang="en-US" sz="2000" dirty="0"/>
-              <a:t> </a:t>
-            </a:r>
-            <a:r>
-              <a:rPr lang="en-US" sz="2000" dirty="0">
-                <a:solidFill>
-                  <a:schemeClr val="accent2"/>
-                </a:solidFill>
-              </a:rPr>
-              <a:t>Monitor a pin for a specified signal (rising edge, falling edge, either edge) and record when it occurs</a:t>
-            </a:r>
-            <a:r>
-              <a:rPr lang="en-US" sz="2000" dirty="0" smtClean="0">
-                <a:solidFill>
-                  <a:schemeClr val="accent2"/>
-                </a:solidFill>
-              </a:rPr>
-              <a:t>.  </a:t>
-            </a:r>
-            <a:r>
-              <a:rPr lang="en-US" sz="2000" dirty="0" smtClean="0">
-                <a:solidFill>
-                  <a:schemeClr val="accent2"/>
-                </a:solidFill>
-                <a:sym typeface="Wingdings" panose="05000000000000000000" pitchFamily="2" charset="2"/>
-              </a:rPr>
-              <a:t> </a:t>
-            </a:r>
-            <a:r>
-              <a:rPr lang="en-US" sz="2000" b="1" dirty="0" smtClean="0">
-                <a:solidFill>
-                  <a:schemeClr val="accent2"/>
-                </a:solidFill>
-              </a:rPr>
-              <a:t>Ultrasonic sensor</a:t>
-            </a:r>
-            <a:endParaRPr lang="en-US" sz="2000" b="1" dirty="0">
-              <a:solidFill>
-                <a:schemeClr val="accent2"/>
-              </a:solidFill>
-            </a:endParaRPr>
-          </a:p>
-          <a:p>
-            <a:r>
-              <a:rPr lang="en-US" sz="2000" b="1" dirty="0" smtClean="0"/>
-              <a:t>Output Compare</a:t>
-            </a:r>
-            <a:r>
-              <a:rPr lang="en-US" sz="2000" b="1" dirty="0"/>
-              <a:t>:</a:t>
-            </a:r>
-            <a:r>
-              <a:rPr lang="en-US" sz="2000" dirty="0"/>
-              <a:t> </a:t>
-            </a:r>
-            <a:r>
-              <a:rPr lang="en-US" sz="2000" dirty="0">
-                <a:solidFill>
-                  <a:schemeClr val="accent2"/>
-                </a:solidFill>
-              </a:rPr>
-              <a:t>Generate a </a:t>
-            </a:r>
-            <a:r>
-              <a:rPr lang="en-US" sz="2000" dirty="0" smtClean="0">
-                <a:solidFill>
-                  <a:schemeClr val="accent2"/>
-                </a:solidFill>
-              </a:rPr>
-              <a:t>specified </a:t>
-            </a:r>
-            <a:r>
-              <a:rPr lang="en-US" sz="2000" dirty="0">
-                <a:solidFill>
-                  <a:schemeClr val="accent2"/>
-                </a:solidFill>
-              </a:rPr>
-              <a:t>signal with precise timing</a:t>
-            </a:r>
-            <a:r>
-              <a:rPr lang="en-US" sz="2000" dirty="0" smtClean="0">
-                <a:solidFill>
-                  <a:schemeClr val="accent2"/>
-                </a:solidFill>
-              </a:rPr>
-              <a:t>. (can make a PWM signal) </a:t>
-            </a:r>
-            <a:r>
-              <a:rPr lang="en-US" sz="2000" dirty="0" smtClean="0">
-                <a:solidFill>
-                  <a:schemeClr val="accent2"/>
-                </a:solidFill>
-                <a:sym typeface="Wingdings" panose="05000000000000000000" pitchFamily="2" charset="2"/>
-              </a:rPr>
-              <a:t> </a:t>
-            </a:r>
-            <a:r>
-              <a:rPr lang="en-US" sz="2000" b="1" dirty="0" smtClean="0">
-                <a:solidFill>
-                  <a:schemeClr val="accent2"/>
-                </a:solidFill>
-                <a:sym typeface="Wingdings" panose="05000000000000000000" pitchFamily="2" charset="2"/>
-              </a:rPr>
-              <a:t>drive motors, servos</a:t>
-            </a:r>
-            <a:endParaRPr lang="en-US" sz="2000" b="1" dirty="0">
-              <a:solidFill>
-                <a:schemeClr val="accent2"/>
-              </a:solidFill>
-            </a:endParaRPr>
-          </a:p>
-        </p:txBody>
-      </p:sp>
-      <p:sp>
-        <p:nvSpPr>
-          <p:cNvPr id="5" name="TextBox 4"/>
-          <p:cNvSpPr txBox="1"/>
-          <p:nvPr/>
-        </p:nvSpPr>
-        <p:spPr>
-          <a:xfrm>
-            <a:off x="3551971" y="3231960"/>
-            <a:ext cx="4960962" cy="830997"/>
-          </a:xfrm>
-          <a:prstGeom prst="rect">
-            <a:avLst/>
-          </a:prstGeom>
-          <a:noFill/>
-        </p:spPr>
-        <p:txBody>
-          <a:bodyPr wrap="square" rtlCol="0">
-            <a:spAutoFit/>
-          </a:bodyPr>
-          <a:lstStyle/>
-          <a:p>
-            <a:r>
-              <a:rPr lang="en-US" dirty="0" smtClean="0">
-                <a:solidFill>
-                  <a:srgbClr val="FF0000"/>
-                </a:solidFill>
-              </a:rPr>
-              <a:t>Do Not Exceed the 1A current rating (i.e. ~60% Duty Cycle)</a:t>
-            </a:r>
-            <a:endParaRPr lang="en-US" dirty="0">
-              <a:solidFill>
-                <a:srgbClr val="FF0000"/>
-              </a:solidFill>
-            </a:endParaRPr>
-          </a:p>
-        </p:txBody>
-      </p:sp>
-    </p:spTree>
-    <p:extLst>
-      <p:ext uri="{BB962C8B-B14F-4D97-AF65-F5344CB8AC3E}">
-        <p14:creationId xmlns:p14="http://schemas.microsoft.com/office/powerpoint/2010/main" val="1178469788"/>
-      </p:ext>
-    </p:extLst>
-  </p:cSld>
-  <p:clrMapOvr>
-    <a:masterClrMapping/>
-  </p:clrMapOvr>
-  <p:timing>
-    <p:tnLst>
-      <p:par>
-        <p:cTn id="1" dur="indefinite" restart="never" nodeType="tmRoot"/>
-      </p:par>
-    </p:tnLst>
-  </p:timing>
-</p:sld>
-</file>
-
 <file path=ppt/slides/slide3.xml><?xml version="1.0" encoding="utf-8"?>
 <p:sld xmlns:a="http://schemas.openxmlformats.org/drawingml/2006/main" xmlns:r="http://schemas.openxmlformats.org/officeDocument/2006/relationships" xmlns:p="http://schemas.openxmlformats.org/presentationml/2006/main">
   <p:cSld>
@@ -15956,6 +15751,411 @@
     <p:extLst>
       <p:ext uri="{BB962C8B-B14F-4D97-AF65-F5344CB8AC3E}">
         <p14:creationId xmlns:p14="http://schemas.microsoft.com/office/powerpoint/2010/main" val="129474434"/>
+      </p:ext>
+    </p:extLst>
+  </p:cSld>
+  <p:clrMapOvr>
+    <a:masterClrMapping/>
+  </p:clrMapOvr>
+  <p:timing>
+    <p:tnLst>
+      <p:par>
+        <p:cTn id="1" dur="indefinite" restart="never" nodeType="tmRoot"/>
+      </p:par>
+    </p:tnLst>
+  </p:timing>
+</p:sld>
+</file>
+
+<file path=ppt/slides/slide30.xml><?xml version="1.0" encoding="utf-8"?>
+<p:sld xmlns:a="http://schemas.openxmlformats.org/drawingml/2006/main" xmlns:r="http://schemas.openxmlformats.org/officeDocument/2006/relationships" xmlns:p="http://schemas.openxmlformats.org/presentationml/2006/main">
+  <p:cSld>
+    <p:spTree>
+      <p:nvGrpSpPr>
+        <p:cNvPr id="1" name=""/>
+        <p:cNvGrpSpPr/>
+        <p:nvPr/>
+      </p:nvGrpSpPr>
+      <p:grpSpPr>
+        <a:xfrm>
+          <a:off x="0" y="0"/>
+          <a:ext cx="0" cy="0"/>
+          <a:chOff x="0" y="0"/>
+          <a:chExt cx="0" cy="0"/>
+        </a:xfrm>
+      </p:grpSpPr>
+      <p:sp>
+        <p:nvSpPr>
+          <p:cNvPr id="2" name="Title 1"/>
+          <p:cNvSpPr>
+            <a:spLocks noGrp="1"/>
+          </p:cNvSpPr>
+          <p:nvPr>
+            <p:ph type="title"/>
+          </p:nvPr>
+        </p:nvSpPr>
+        <p:spPr/>
+        <p:txBody>
+          <a:bodyPr/>
+          <a:lstStyle/>
+          <a:p>
+            <a:r>
+              <a:rPr lang="en-US" b="1" dirty="0" smtClean="0"/>
+              <a:t>Using DC Motors</a:t>
+            </a:r>
+            <a:endParaRPr lang="en-US" b="1" dirty="0"/>
+          </a:p>
+        </p:txBody>
+      </p:sp>
+      <p:sp>
+        <p:nvSpPr>
+          <p:cNvPr id="3" name="Content Placeholder 2"/>
+          <p:cNvSpPr>
+            <a:spLocks noGrp="1"/>
+          </p:cNvSpPr>
+          <p:nvPr>
+            <p:ph idx="1"/>
+          </p:nvPr>
+        </p:nvSpPr>
+        <p:spPr>
+          <a:xfrm>
+            <a:off x="348339" y="847679"/>
+            <a:ext cx="8083562" cy="5747330"/>
+          </a:xfrm>
+        </p:spPr>
+        <p:txBody>
+          <a:bodyPr/>
+          <a:lstStyle/>
+          <a:p>
+            <a:pPr marL="0" indent="0">
+              <a:buNone/>
+            </a:pPr>
+            <a:r>
+              <a:rPr lang="en-US" sz="2000" dirty="0" smtClean="0"/>
+              <a:t>How do DC motors work?    How do you make them go faster?</a:t>
+            </a:r>
+          </a:p>
+          <a:p>
+            <a:pPr lvl="1"/>
+            <a:r>
+              <a:rPr lang="en-US" sz="1600" dirty="0" smtClean="0">
+                <a:solidFill>
+                  <a:schemeClr val="accent2"/>
+                </a:solidFill>
+              </a:rPr>
+              <a:t>Provide analog DC voltage… The higher the voltage, the faster it spins</a:t>
+            </a:r>
+            <a:endParaRPr lang="en-US" sz="1600" dirty="0">
+              <a:solidFill>
+                <a:schemeClr val="accent2"/>
+              </a:solidFill>
+            </a:endParaRPr>
+          </a:p>
+          <a:p>
+            <a:pPr marL="0" indent="0">
+              <a:buNone/>
+            </a:pPr>
+            <a:r>
+              <a:rPr lang="en-US" sz="2000" dirty="0" smtClean="0"/>
+              <a:t>Two issues interfacing MSP430 with a DC motor?</a:t>
+            </a:r>
+          </a:p>
+          <a:p>
+            <a:pPr lvl="1"/>
+            <a:r>
+              <a:rPr lang="en-US" sz="1600" dirty="0" smtClean="0">
+                <a:solidFill>
+                  <a:schemeClr val="accent2"/>
+                </a:solidFill>
+              </a:rPr>
+              <a:t>MSP430 only produces two voltages (</a:t>
+            </a:r>
+            <a:r>
+              <a:rPr lang="en-US" sz="1600" dirty="0" err="1" smtClean="0">
+                <a:solidFill>
+                  <a:schemeClr val="accent2"/>
+                </a:solidFill>
+              </a:rPr>
+              <a:t>Vcc</a:t>
+            </a:r>
+            <a:r>
+              <a:rPr lang="en-US" sz="1600" dirty="0" smtClean="0">
+                <a:solidFill>
+                  <a:schemeClr val="accent2"/>
+                </a:solidFill>
+              </a:rPr>
+              <a:t> and </a:t>
+            </a:r>
+            <a:r>
+              <a:rPr lang="en-US" sz="1600" dirty="0" err="1" smtClean="0">
+                <a:solidFill>
+                  <a:schemeClr val="accent2"/>
+                </a:solidFill>
+              </a:rPr>
+              <a:t>Gnd</a:t>
+            </a:r>
+            <a:r>
+              <a:rPr lang="en-US" sz="1600" dirty="0" smtClean="0">
+                <a:solidFill>
+                  <a:schemeClr val="accent2"/>
+                </a:solidFill>
+              </a:rPr>
+              <a:t>)</a:t>
+            </a:r>
+          </a:p>
+          <a:p>
+            <a:pPr marL="0" indent="0">
+              <a:buNone/>
+            </a:pPr>
+            <a:r>
+              <a:rPr lang="en-US" sz="2000" dirty="0" smtClean="0"/>
+              <a:t>	Solution?     </a:t>
+            </a:r>
+            <a:r>
+              <a:rPr lang="en-US" sz="2000" dirty="0" smtClean="0">
+                <a:solidFill>
+                  <a:schemeClr val="accent2"/>
+                </a:solidFill>
+              </a:rPr>
+              <a:t>PWM- pulse width modulation  (remember this?)</a:t>
+            </a:r>
+            <a:endParaRPr lang="en-US" sz="2000" dirty="0">
+              <a:solidFill>
+                <a:schemeClr val="accent2"/>
+              </a:solidFill>
+            </a:endParaRPr>
+          </a:p>
+          <a:p>
+            <a:pPr lvl="1"/>
+            <a:r>
+              <a:rPr lang="en-US" sz="1600" dirty="0" smtClean="0">
+                <a:solidFill>
+                  <a:schemeClr val="accent2"/>
+                </a:solidFill>
+              </a:rPr>
+              <a:t>MSP430 does not source enough current to power the motors (blow the </a:t>
+            </a:r>
+            <a:r>
+              <a:rPr lang="en-US" sz="1600" dirty="0">
+                <a:solidFill>
+                  <a:schemeClr val="accent2"/>
+                </a:solidFill>
+              </a:rPr>
+              <a:t>chip)</a:t>
+            </a:r>
+          </a:p>
+          <a:p>
+            <a:pPr marL="0" indent="0">
+              <a:buNone/>
+            </a:pPr>
+            <a:r>
+              <a:rPr lang="en-US" sz="2000" dirty="0"/>
+              <a:t>	Solution?     </a:t>
+            </a:r>
+            <a:r>
+              <a:rPr lang="en-US" sz="2000" dirty="0" smtClean="0">
+                <a:solidFill>
+                  <a:schemeClr val="accent2"/>
+                </a:solidFill>
+              </a:rPr>
+              <a:t>Motor driver chip (SN754410)</a:t>
+            </a:r>
+            <a:endParaRPr lang="en-US" sz="2000" dirty="0">
+              <a:solidFill>
+                <a:schemeClr val="accent2"/>
+              </a:solidFill>
+            </a:endParaRPr>
+          </a:p>
+          <a:p>
+            <a:pPr lvl="1"/>
+            <a:endParaRPr lang="en-US" sz="1600" dirty="0" smtClean="0">
+              <a:solidFill>
+                <a:schemeClr val="accent2"/>
+              </a:solidFill>
+            </a:endParaRPr>
+          </a:p>
+          <a:p>
+            <a:pPr lvl="1"/>
+            <a:endParaRPr lang="en-US" sz="1200" dirty="0" smtClean="0">
+              <a:solidFill>
+                <a:schemeClr val="accent2"/>
+              </a:solidFill>
+            </a:endParaRPr>
+          </a:p>
+          <a:p>
+            <a:pPr marL="0" indent="0">
+              <a:buNone/>
+            </a:pPr>
+            <a:r>
+              <a:rPr lang="en-US" sz="2000" dirty="0" smtClean="0"/>
+              <a:t>MSP430 Timer system helps</a:t>
+            </a:r>
+          </a:p>
+          <a:p>
+            <a:r>
+              <a:rPr lang="en-US" sz="2000" b="1" dirty="0" smtClean="0"/>
+              <a:t>Input Capture</a:t>
+            </a:r>
+            <a:r>
+              <a:rPr lang="en-US" sz="2000" b="1" dirty="0"/>
+              <a:t>:</a:t>
+            </a:r>
+            <a:r>
+              <a:rPr lang="en-US" sz="2000" dirty="0"/>
+              <a:t> </a:t>
+            </a:r>
+            <a:r>
+              <a:rPr lang="en-US" sz="2000" dirty="0">
+                <a:solidFill>
+                  <a:schemeClr val="accent2"/>
+                </a:solidFill>
+              </a:rPr>
+              <a:t>Monitor a pin for a specified signal (rising edge, falling edge, either edge) and record when it occurs</a:t>
+            </a:r>
+            <a:r>
+              <a:rPr lang="en-US" sz="2000" dirty="0" smtClean="0">
+                <a:solidFill>
+                  <a:schemeClr val="accent2"/>
+                </a:solidFill>
+              </a:rPr>
+              <a:t>.  </a:t>
+            </a:r>
+            <a:r>
+              <a:rPr lang="en-US" sz="2000" dirty="0" smtClean="0">
+                <a:solidFill>
+                  <a:schemeClr val="accent2"/>
+                </a:solidFill>
+                <a:sym typeface="Wingdings" panose="05000000000000000000" pitchFamily="2" charset="2"/>
+              </a:rPr>
+              <a:t> </a:t>
+            </a:r>
+            <a:r>
+              <a:rPr lang="en-US" sz="2000" b="1" dirty="0" smtClean="0">
+                <a:solidFill>
+                  <a:schemeClr val="accent2"/>
+                </a:solidFill>
+              </a:rPr>
+              <a:t>Ultrasonic sensor</a:t>
+            </a:r>
+            <a:endParaRPr lang="en-US" sz="2000" b="1" dirty="0">
+              <a:solidFill>
+                <a:schemeClr val="accent2"/>
+              </a:solidFill>
+            </a:endParaRPr>
+          </a:p>
+          <a:p>
+            <a:r>
+              <a:rPr lang="en-US" sz="2000" b="1" dirty="0" smtClean="0"/>
+              <a:t>Output Compare</a:t>
+            </a:r>
+            <a:r>
+              <a:rPr lang="en-US" sz="2000" b="1" dirty="0"/>
+              <a:t>:</a:t>
+            </a:r>
+            <a:r>
+              <a:rPr lang="en-US" sz="2000" dirty="0"/>
+              <a:t> </a:t>
+            </a:r>
+            <a:r>
+              <a:rPr lang="en-US" sz="2000" dirty="0">
+                <a:solidFill>
+                  <a:schemeClr val="accent2"/>
+                </a:solidFill>
+              </a:rPr>
+              <a:t>Generate a </a:t>
+            </a:r>
+            <a:r>
+              <a:rPr lang="en-US" sz="2000" dirty="0" smtClean="0">
+                <a:solidFill>
+                  <a:schemeClr val="accent2"/>
+                </a:solidFill>
+              </a:rPr>
+              <a:t>specified </a:t>
+            </a:r>
+            <a:r>
+              <a:rPr lang="en-US" sz="2000" dirty="0">
+                <a:solidFill>
+                  <a:schemeClr val="accent2"/>
+                </a:solidFill>
+              </a:rPr>
+              <a:t>signal with precise timing</a:t>
+            </a:r>
+            <a:r>
+              <a:rPr lang="en-US" sz="2000" dirty="0" smtClean="0">
+                <a:solidFill>
+                  <a:schemeClr val="accent2"/>
+                </a:solidFill>
+              </a:rPr>
+              <a:t>. (can make a PWM signal) </a:t>
+            </a:r>
+            <a:r>
+              <a:rPr lang="en-US" sz="2000" dirty="0" smtClean="0">
+                <a:solidFill>
+                  <a:schemeClr val="accent2"/>
+                </a:solidFill>
+                <a:sym typeface="Wingdings" panose="05000000000000000000" pitchFamily="2" charset="2"/>
+              </a:rPr>
+              <a:t> </a:t>
+            </a:r>
+            <a:r>
+              <a:rPr lang="en-US" sz="2000" b="1" dirty="0" smtClean="0">
+                <a:solidFill>
+                  <a:schemeClr val="accent2"/>
+                </a:solidFill>
+                <a:sym typeface="Wingdings" panose="05000000000000000000" pitchFamily="2" charset="2"/>
+              </a:rPr>
+              <a:t>drive motors, servos</a:t>
+            </a:r>
+            <a:endParaRPr lang="en-US" sz="2000" b="1" dirty="0">
+              <a:solidFill>
+                <a:schemeClr val="accent2"/>
+              </a:solidFill>
+            </a:endParaRPr>
+          </a:p>
+        </p:txBody>
+      </p:sp>
+      <p:sp>
+        <p:nvSpPr>
+          <p:cNvPr id="5" name="TextBox 4"/>
+          <p:cNvSpPr txBox="1"/>
+          <p:nvPr/>
+        </p:nvSpPr>
+        <p:spPr>
+          <a:xfrm>
+            <a:off x="3551971" y="3231960"/>
+            <a:ext cx="4960962" cy="830997"/>
+          </a:xfrm>
+          <a:prstGeom prst="rect">
+            <a:avLst/>
+          </a:prstGeom>
+          <a:noFill/>
+        </p:spPr>
+        <p:txBody>
+          <a:bodyPr wrap="square" rtlCol="0">
+            <a:spAutoFit/>
+          </a:bodyPr>
+          <a:lstStyle/>
+          <a:p>
+            <a:r>
+              <a:rPr lang="en-US" dirty="0" smtClean="0">
+                <a:solidFill>
+                  <a:srgbClr val="FF0000"/>
+                </a:solidFill>
+              </a:rPr>
+              <a:t>Do Not Exceed the 1A current rating (i.e. ~60% Duty Cycle)</a:t>
+            </a:r>
+            <a:endParaRPr lang="en-US" dirty="0">
+              <a:solidFill>
+                <a:srgbClr val="FF0000"/>
+              </a:solidFill>
+            </a:endParaRPr>
+          </a:p>
+        </p:txBody>
+      </p:sp>
+    </p:spTree>
+    <p:extLst>
+      <p:ext uri="{BB962C8B-B14F-4D97-AF65-F5344CB8AC3E}">
+        <p14:creationId xmlns:p14="http://schemas.microsoft.com/office/powerpoint/2010/main" val="1178469788"/>
       </p:ext>
     </p:extLst>
   </p:cSld>
@@ -16621,7 +16821,7 @@
         <p:spPr>
           <a:xfrm>
             <a:off x="6410294" y="6069390"/>
-            <a:ext cx="2733674" cy="784830"/>
+            <a:ext cx="2733674" cy="369332"/>
           </a:xfrm>
           <a:prstGeom prst="rect">
             <a:avLst/>
@@ -16638,15 +16838,13 @@
           <a:p>
             <a:r>
               <a:rPr lang="en-US" sz="1800" dirty="0" smtClean="0"/>
-              <a:t>Family User Guide pp 357</a:t>
-            </a:r>
-          </a:p>
-          <a:p>
+              <a:t>Family User Guide pp </a:t>
+            </a:r>
             <a:r>
               <a:rPr lang="en-US" sz="1800" dirty="0" smtClean="0"/>
-              <a:t>Blue Book pp 46</a:t>
-            </a:r>
-            <a:endParaRPr lang="en-US" sz="1800" dirty="0"/>
+              <a:t>357</a:t>
+            </a:r>
+            <a:endParaRPr lang="en-US" sz="1800" dirty="0" smtClean="0"/>
           </a:p>
         </p:txBody>
       </p:sp>
